--- a/Assets/PPT Data/2022.3.28/2022.3.28.pptx
+++ b/Assets/PPT Data/2022.3.28/2022.3.28.pptx
@@ -2,17 +2,17 @@
 <file path=ppt/presentation.xml><?xml version="1.0" encoding="utf-8"?>
 <p:presentation xmlns:a="http://schemas.openxmlformats.org/drawingml/2006/main" xmlns:r="http://schemas.openxmlformats.org/officeDocument/2006/relationships" xmlns:p="http://schemas.openxmlformats.org/presentationml/2006/main" xmlns:p14="http://schemas.microsoft.com/office/powerpoint/2010/main" saveSubsetFonts="1" firstSlideNum="0">
   <p:sldMasterIdLst>
-    <p:sldMasterId id="2147485786" r:id="rId13"/>
+    <p:sldMasterId id="2147485788" r:id="rId13"/>
   </p:sldMasterIdLst>
   <p:notesMasterIdLst>
     <p:notesMasterId r:id="rId15"/>
   </p:notesMasterIdLst>
   <p:sldIdLst>
     <p:sldId id="287" r:id="rId17"/>
-    <p:sldId id="291" r:id="rId18"/>
-    <p:sldId id="294" r:id="rId19"/>
-    <p:sldId id="293" r:id="rId21"/>
-    <p:sldId id="295" r:id="rId23"/>
+    <p:sldId id="291" r:id="rId19"/>
+    <p:sldId id="294" r:id="rId21"/>
+    <p:sldId id="293" r:id="rId23"/>
+    <p:sldId id="295" r:id="rId24"/>
   </p:sldIdLst>
   <p:sldSz cx="12192000" cy="6858000"/>
   <p:notesSz cx="6858000" cy="9144000"/>
@@ -6211,7 +6211,7 @@
       </p:grpSpPr>
       <p:pic>
         <p:nvPicPr>
-          <p:cNvPr id="1032" name="Picture " descr="C:/Users/Admin1/AppData/Roaming/PolarisOffice/ETemp/17672_8565088/fImage15179153941.png"/>
+          <p:cNvPr id="1032" name="Picture "/>
           <p:cNvPicPr>
             <a:picLocks noChangeAspect="1"/>
           </p:cNvPicPr>
@@ -6389,8 +6389,8 @@
         </p:nvSpPr>
         <p:spPr>
           <a:xfrm rot="0">
-            <a:off x="978535" y="4789805"/>
-            <a:ext cx="4375150" cy="647065"/>
+            <a:off x="986790" y="4931410"/>
+            <a:ext cx="4375785" cy="647700"/>
           </a:xfrm>
           <a:prstGeom prst="rect"/>
           <a:noFill/>
@@ -6425,7 +6425,7 @@
       </p:sp>
       <p:pic>
         <p:nvPicPr>
-          <p:cNvPr id="1155" name="그림 43" descr="C:/Users/Admin1/AppData/Roaming/PolarisOffice/ETemp/17672_8565088/fImage57511009358.png"/>
+          <p:cNvPr id="1155" name="그림 43"/>
           <p:cNvPicPr>
             <a:picLocks noChangeAspect="1"/>
           </p:cNvPicPr>
@@ -6454,7 +6454,7 @@
       </p:pic>
       <p:pic>
         <p:nvPicPr>
-          <p:cNvPr id="1156" name="그림 44" descr="C:/Users/Admin1/AppData/Roaming/PolarisOffice/ETemp/17672_8565088/fImage17271016962.png"/>
+          <p:cNvPr id="1156" name="그림 44"/>
           <p:cNvPicPr>
             <a:picLocks noChangeAspect="1"/>
           </p:cNvPicPr>
@@ -6541,7 +6541,7 @@
       </p:sp>
       <p:pic>
         <p:nvPicPr>
-          <p:cNvPr id="1158" name="그림 49" descr="C:/Users/Admin1/AppData/Roaming/PolarisOffice/ETemp/17672_8565088/fImage59421054464.png"/>
+          <p:cNvPr id="1158" name="그림 49"/>
           <p:cNvPicPr>
             <a:picLocks noChangeAspect="1"/>
           </p:cNvPicPr>
@@ -6628,7 +6628,7 @@
       </p:sp>
       <p:pic>
         <p:nvPicPr>
-          <p:cNvPr id="1160" name="그림 51" descr="C:/Users/Admin1/AppData/Roaming/PolarisOffice/ETemp/17672_8565088/fImage17541075705.png"/>
+          <p:cNvPr id="1160" name="그림 51"/>
           <p:cNvPicPr>
             <a:picLocks noChangeAspect="1"/>
           </p:cNvPicPr>
@@ -6657,17 +6657,17 @@
       </p:pic>
       <p:pic>
         <p:nvPicPr>
-          <p:cNvPr id="1161" name="그림 52" descr="C:/Users/Admin1/AppData/Roaming/PolarisOffice/ETemp/17672_8565088/fImage94191088145.png"/>
+          <p:cNvPr id="1161" name="그림 52" descr="C:/Users/Admin1/AppData/Roaming/PolarisOffice/ETemp/27756_13034184/fImage94191088145.png"/>
           <p:cNvPicPr>
             <a:picLocks noChangeAspect="1"/>
           </p:cNvPicPr>
           <p:nvPr/>
         </p:nvPicPr>
         <p:blipFill rotWithShape="1">
-          <a:blip r:embed="rId25" cstate="print">
+          <a:blip r:embed="rId25" cstate="hqprint">
             <a:extLst>
               <a:ext uri="{28A0092B-C50C-407E-A947-70E740481C1C}">
-                <a14:useLocalDpi xmlns:a14="http://schemas.microsoft.com/office/drawing/2010/main" val="0"/>
+                <a14:useLocalDpi xmlns:a14="http://schemas.microsoft.com/office/drawing/2010/main"/>
               </a:ext>
             </a:extLst>
           </a:blip>
@@ -6678,7 +6678,7 @@
         <p:spPr>
           <a:xfrm rot="0">
             <a:off x="984250" y="2245995"/>
-            <a:ext cx="4371340" cy="2464435"/>
+            <a:ext cx="4371975" cy="2592705"/>
           </a:xfrm>
           <a:prstGeom prst="rect"/>
           <a:noFill/>
@@ -6694,8 +6694,8 @@
         </p:nvSpPr>
         <p:spPr>
           <a:xfrm rot="0">
-            <a:off x="6913245" y="4215765"/>
-            <a:ext cx="4375150" cy="1200785"/>
+            <a:off x="6913245" y="4365625"/>
+            <a:ext cx="4284980" cy="1200785"/>
           </a:xfrm>
           <a:prstGeom prst="rect"/>
           <a:noFill/>
